--- a/Back-End/NodeJS/Heroku 배포 하기.pptx
+++ b/Back-End/NodeJS/Heroku 배포 하기.pptx
@@ -249,7 +249,7 @@
           <a:p>
             <a:fld id="{0701E38F-D71B-4628-B377-F26FA834EB07}" type="datetimeFigureOut">
               <a:rPr lang="ko-KR" altLang="en-US" smtClean="0"/>
-              <a:t>2022-12-12</a:t>
+              <a:t>2022-12-20</a:t>
             </a:fld>
             <a:endParaRPr lang="ko-KR" altLang="en-US"/>
           </a:p>
@@ -415,7 +415,7 @@
             <a:fld id="{BC75A1C1-99F9-4ED1-B968-97F8F766565C}" type="datetimeFigureOut">
               <a:rPr lang="ko-KR" altLang="en-US" smtClean="0"/>
               <a:pPr/>
-              <a:t>2022-12-12</a:t>
+              <a:t>2022-12-20</a:t>
             </a:fld>
             <a:endParaRPr lang="ko-KR" altLang="en-US"/>
           </a:p>
@@ -3385,8 +3385,50 @@
                 </a:solidFill>
                 <a:latin typeface="+mn-ea"/>
               </a:rPr>
-              <a:t> --version</a:t>
-            </a:r>
+              <a:t> --</a:t>
+            </a:r>
+            <a:r>
+              <a:rPr lang="en-US" altLang="ko-KR" sz="1600" dirty="0" smtClean="0">
+                <a:solidFill>
+                  <a:schemeClr val="tx1"/>
+                </a:solidFill>
+                <a:latin typeface="+mn-ea"/>
+              </a:rPr>
+              <a:t>version</a:t>
+            </a:r>
+          </a:p>
+          <a:p>
+            <a:pPr marL="742950" lvl="1" indent="-285750" latinLnBrk="0">
+              <a:lnSpc>
+                <a:spcPct val="150000"/>
+              </a:lnSpc>
+              <a:buFont typeface="Arial" panose="020B0604020202020204" pitchFamily="34" charset="0"/>
+              <a:buChar char="•"/>
+            </a:pPr>
+            <a:r>
+              <a:rPr lang="en-US" altLang="ko-KR" sz="1600" dirty="0" err="1" smtClean="0">
+                <a:solidFill>
+                  <a:srgbClr val="70AD47"/>
+                </a:solidFill>
+                <a:latin typeface="+mn-ea"/>
+              </a:rPr>
+              <a:t>heroku</a:t>
+            </a:r>
+            <a:r>
+              <a:rPr lang="en-US" altLang="ko-KR" sz="1600" dirty="0" smtClean="0">
+                <a:solidFill>
+                  <a:srgbClr val="70AD47"/>
+                </a:solidFill>
+                <a:latin typeface="+mn-ea"/>
+              </a:rPr>
+              <a:t> update</a:t>
+            </a:r>
+            <a:endParaRPr lang="en-US" altLang="ko-KR" sz="1600" dirty="0" smtClean="0">
+              <a:solidFill>
+                <a:srgbClr val="70AD47"/>
+              </a:solidFill>
+              <a:latin typeface="+mn-ea"/>
+            </a:endParaRPr>
           </a:p>
           <a:p>
             <a:pPr marL="742950" lvl="1" indent="-285750" latinLnBrk="0">
